--- a/docs/Poster_Rendering_Denoising.pptx
+++ b/docs/Poster_Rendering_Denoising.pptx
@@ -1539,7 +1539,7 @@
         <p:spPr>
           <a:xfrm>
             <a:off x="898776" y="896767"/>
-            <a:ext cx="8845847" cy="17512486"/>
+            <a:ext cx="8845847" cy="17020044"/>
           </a:xfrm>
           <a:prstGeom prst="rect">
             <a:avLst/>
@@ -1596,19 +1596,7 @@
               <a:rPr lang="de-DE" altLang="de-DE" sz="3200" dirty="0">
                 <a:latin typeface="Lucida Sans" pitchFamily="34" charset="0"/>
               </a:rPr>
-              <a:t>Path Tracing ist eine physikalisch genaue Rendering-Technik, um das Verhalten von Licht zu simulieren. Sie ist in der Lage, </a:t>
-            </a:r>
-            <a:r>
-              <a:rPr lang="de-DE" altLang="de-DE" sz="3200" dirty="0" err="1">
-                <a:latin typeface="Lucida Sans" pitchFamily="34" charset="0"/>
-              </a:rPr>
-              <a:t>äusserst</a:t>
-            </a:r>
-            <a:r>
-              <a:rPr lang="de-DE" altLang="de-DE" sz="3200" dirty="0">
-                <a:latin typeface="Lucida Sans" pitchFamily="34" charset="0"/>
-              </a:rPr>
-              <a:t> realistische Bilder zu erzeugen, indem sie die Pfade einzelner Lichtstrahlen bei der Interaktion mit Oberflächen in einer Szene nachzeichnet. Diese Methode ist jedoch rechenintensiv und anfällig für Rauschen, insbesondere in Szenarien mit komplexen Beleuchtungseffekten wie globaler Beleuchtung, Kaustik und indirekter Beleuchtung.</a:t>
+              <a:t>Path Tracing ist eine physikalisch genaue Rendering-Technik, um das Verhalten von Licht zu simulieren. Für jeden Pixel werden Lichtpfade physikalisch genau simuliert. Diese Methode ist jedoch rechenintensiv und anfällig für Rauschen. Eine Erhöhung der Anzahl der Abtastwerte pro Pixel kann das Rauschen zwar verringern, doch ist dieser Ansatz aufgrund der ansteigenden Rendering-Zeit oft nicht praktikabel.</a:t>
             </a:r>
           </a:p>
           <a:p>
@@ -1619,12 +1607,153 @@
               <a:buSzPct val="80000"/>
               <a:defRPr/>
             </a:pPr>
-            <a:r>
-              <a:rPr lang="de-DE" altLang="de-DE" sz="3200" dirty="0">
-                <a:latin typeface="Lucida Sans" pitchFamily="34" charset="0"/>
-              </a:rPr>
-              <a:t>Da die Farbe jedes Pixels durch Mittelwertbildung aus einer endlichen Anzahl zufälliger Lichtpfade geschätzt wird, führt eine geringe Anzahl von Stichproben zu einer hohen Varianz, die sich im endgültigen Bild als körniges oder fleckiges Rauschen zeigt. Eine Erhöhung der Anzahl der Abtastwerte pro Pixel kann das Rauschen zwar verringern, doch ist dieser Ansatz aufgrund der ansteigenden Rendering-Zeit oft nicht praktikabel.</a:t>
-            </a:r>
+            <a:endParaRPr lang="de-DE" altLang="de-DE" sz="3200" dirty="0">
+              <a:latin typeface="Lucida Sans" pitchFamily="34" charset="0"/>
+            </a:endParaRPr>
+          </a:p>
+          <a:p>
+            <a:pPr algn="just">
+              <a:buClr>
+                <a:srgbClr val="FAA500"/>
+              </a:buClr>
+              <a:buSzPct val="80000"/>
+              <a:defRPr/>
+            </a:pPr>
+            <a:endParaRPr lang="de-DE" altLang="de-DE" sz="3200" dirty="0">
+              <a:latin typeface="Lucida Sans" pitchFamily="34" charset="0"/>
+            </a:endParaRPr>
+          </a:p>
+          <a:p>
+            <a:pPr algn="just">
+              <a:buClr>
+                <a:srgbClr val="FAA500"/>
+              </a:buClr>
+              <a:buSzPct val="80000"/>
+              <a:defRPr/>
+            </a:pPr>
+            <a:endParaRPr lang="de-DE" altLang="de-DE" sz="3200" dirty="0">
+              <a:latin typeface="Lucida Sans" pitchFamily="34" charset="0"/>
+            </a:endParaRPr>
+          </a:p>
+          <a:p>
+            <a:pPr algn="just">
+              <a:buClr>
+                <a:srgbClr val="FAA500"/>
+              </a:buClr>
+              <a:buSzPct val="80000"/>
+              <a:defRPr/>
+            </a:pPr>
+            <a:endParaRPr lang="de-DE" altLang="de-DE" sz="3200" dirty="0">
+              <a:latin typeface="Lucida Sans" pitchFamily="34" charset="0"/>
+            </a:endParaRPr>
+          </a:p>
+          <a:p>
+            <a:pPr algn="just">
+              <a:buClr>
+                <a:srgbClr val="FAA500"/>
+              </a:buClr>
+              <a:buSzPct val="80000"/>
+              <a:defRPr/>
+            </a:pPr>
+            <a:endParaRPr lang="de-DE" altLang="de-DE" sz="3200" dirty="0">
+              <a:latin typeface="Lucida Sans" pitchFamily="34" charset="0"/>
+            </a:endParaRPr>
+          </a:p>
+          <a:p>
+            <a:pPr algn="just">
+              <a:buClr>
+                <a:srgbClr val="FAA500"/>
+              </a:buClr>
+              <a:buSzPct val="80000"/>
+              <a:defRPr/>
+            </a:pPr>
+            <a:endParaRPr lang="de-DE" altLang="de-DE" sz="3200" dirty="0">
+              <a:latin typeface="Lucida Sans" pitchFamily="34" charset="0"/>
+            </a:endParaRPr>
+          </a:p>
+          <a:p>
+            <a:pPr algn="just">
+              <a:buClr>
+                <a:srgbClr val="FAA500"/>
+              </a:buClr>
+              <a:buSzPct val="80000"/>
+              <a:defRPr/>
+            </a:pPr>
+            <a:endParaRPr lang="de-DE" altLang="de-DE" sz="3200" dirty="0">
+              <a:latin typeface="Lucida Sans" pitchFamily="34" charset="0"/>
+            </a:endParaRPr>
+          </a:p>
+          <a:p>
+            <a:pPr algn="just">
+              <a:buClr>
+                <a:srgbClr val="FAA500"/>
+              </a:buClr>
+              <a:buSzPct val="80000"/>
+              <a:defRPr/>
+            </a:pPr>
+            <a:endParaRPr lang="de-DE" altLang="de-DE" sz="3200" dirty="0">
+              <a:latin typeface="Lucida Sans" pitchFamily="34" charset="0"/>
+            </a:endParaRPr>
+          </a:p>
+          <a:p>
+            <a:pPr algn="just">
+              <a:buClr>
+                <a:srgbClr val="FAA500"/>
+              </a:buClr>
+              <a:buSzPct val="80000"/>
+              <a:defRPr/>
+            </a:pPr>
+            <a:endParaRPr lang="de-DE" altLang="de-DE" sz="3200" dirty="0">
+              <a:latin typeface="Lucida Sans" pitchFamily="34" charset="0"/>
+            </a:endParaRPr>
+          </a:p>
+          <a:p>
+            <a:pPr algn="just">
+              <a:buClr>
+                <a:srgbClr val="FAA500"/>
+              </a:buClr>
+              <a:buSzPct val="80000"/>
+              <a:defRPr/>
+            </a:pPr>
+            <a:endParaRPr lang="de-DE" altLang="de-DE" sz="3200" dirty="0">
+              <a:latin typeface="Lucida Sans" pitchFamily="34" charset="0"/>
+            </a:endParaRPr>
+          </a:p>
+          <a:p>
+            <a:pPr algn="just">
+              <a:buClr>
+                <a:srgbClr val="FAA500"/>
+              </a:buClr>
+              <a:buSzPct val="80000"/>
+              <a:defRPr/>
+            </a:pPr>
+            <a:endParaRPr lang="de-DE" altLang="de-DE" sz="3200" dirty="0">
+              <a:latin typeface="Lucida Sans" pitchFamily="34" charset="0"/>
+            </a:endParaRPr>
+          </a:p>
+          <a:p>
+            <a:pPr algn="just">
+              <a:buClr>
+                <a:srgbClr val="FAA500"/>
+              </a:buClr>
+              <a:buSzPct val="80000"/>
+              <a:defRPr/>
+            </a:pPr>
+            <a:endParaRPr lang="de-DE" altLang="de-DE" sz="3200" dirty="0">
+              <a:latin typeface="Lucida Sans" pitchFamily="34" charset="0"/>
+            </a:endParaRPr>
+          </a:p>
+          <a:p>
+            <a:pPr algn="just">
+              <a:buClr>
+                <a:srgbClr val="FAA500"/>
+              </a:buClr>
+              <a:buSzPct val="80000"/>
+              <a:defRPr/>
+            </a:pPr>
+            <a:endParaRPr lang="de-DE" altLang="de-DE" sz="1400" dirty="0">
+              <a:latin typeface="Lucida Sans" pitchFamily="34" charset="0"/>
+            </a:endParaRPr>
           </a:p>
           <a:p>
             <a:pPr algn="just">
@@ -1908,6 +2037,94 @@
           </a:prstGeom>
         </p:spPr>
       </p:pic>
+      <p:pic>
+        <p:nvPicPr>
+          <p:cNvPr id="1026" name="Picture 2" descr="Vulkan Ray Tracing Pipeline - Bildsynthese - Teil 2 - Kapitel 1">
+            <a:extLst>
+              <a:ext uri="{FF2B5EF4-FFF2-40B4-BE49-F238E27FC236}">
+                <a16:creationId xmlns:a16="http://schemas.microsoft.com/office/drawing/2014/main" id="{1D6F2AAE-458E-FE6A-163F-214FD56893E0}"/>
+              </a:ext>
+            </a:extLst>
+          </p:cNvPr>
+          <p:cNvPicPr>
+            <a:picLocks noChangeAspect="1" noChangeArrowheads="1"/>
+          </p:cNvPicPr>
+          <p:nvPr/>
+        </p:nvPicPr>
+        <p:blipFill>
+          <a:blip r:embed="rId3">
+            <a:extLst>
+              <a:ext uri="{28A0092B-C50C-407E-A947-70E740481C1C}">
+                <a14:useLocalDpi xmlns:a14="http://schemas.microsoft.com/office/drawing/2010/main" val="0"/>
+              </a:ext>
+            </a:extLst>
+          </a:blip>
+          <a:srcRect/>
+          <a:stretch>
+            <a:fillRect/>
+          </a:stretch>
+        </p:blipFill>
+        <p:spPr bwMode="auto">
+          <a:xfrm>
+            <a:off x="898776" y="7026186"/>
+            <a:ext cx="5923251" cy="5923251"/>
+          </a:xfrm>
+          <a:prstGeom prst="rect">
+            <a:avLst/>
+          </a:prstGeom>
+          <a:noFill/>
+          <a:extLst>
+            <a:ext uri="{909E8E84-426E-40DD-AFC4-6F175D3DCCD1}">
+              <a14:hiddenFill xmlns:a14="http://schemas.microsoft.com/office/drawing/2010/main">
+                <a:solidFill>
+                  <a:srgbClr val="FFFFFF"/>
+                </a:solidFill>
+              </a14:hiddenFill>
+            </a:ext>
+          </a:extLst>
+        </p:spPr>
+      </p:pic>
+      <p:sp>
+        <p:nvSpPr>
+          <p:cNvPr id="4" name="Textfeld 4">
+            <a:extLst>
+              <a:ext uri="{FF2B5EF4-FFF2-40B4-BE49-F238E27FC236}">
+                <a16:creationId xmlns:a16="http://schemas.microsoft.com/office/drawing/2014/main" id="{F53BBD5B-0FD5-850B-B23D-E6A2A90A9BA2}"/>
+              </a:ext>
+            </a:extLst>
+          </p:cNvPr>
+          <p:cNvSpPr txBox="1"/>
+          <p:nvPr/>
+        </p:nvSpPr>
+        <p:spPr>
+          <a:xfrm>
+            <a:off x="6766609" y="8544567"/>
+            <a:ext cx="3180955" cy="2400657"/>
+          </a:xfrm>
+          <a:prstGeom prst="rect">
+            <a:avLst/>
+          </a:prstGeom>
+          <a:noFill/>
+        </p:spPr>
+        <p:txBody>
+          <a:bodyPr wrap="square" rtlCol="0">
+            <a:spAutoFit/>
+          </a:bodyPr>
+          <a:lstStyle/>
+          <a:p>
+            <a:pPr defTabSz="912813">
+              <a:spcBef>
+                <a:spcPct val="50000"/>
+              </a:spcBef>
+            </a:pPr>
+            <a:r>
+              <a:rPr lang="de-DE" sz="3000" i="1" dirty="0"/>
+              <a:t>Simulation vom physikalischn Verhalten von Licht, wie Reflexion und Brechung.</a:t>
+            </a:r>
+            <a:endParaRPr lang="de-CH" sz="3000" i="1" dirty="0"/>
+          </a:p>
+        </p:txBody>
+      </p:sp>
     </p:spTree>
     <p:extLst>
       <p:ext uri="{BB962C8B-B14F-4D97-AF65-F5344CB8AC3E}">
@@ -2182,6 +2399,28 @@
 </file>
 
 <file path=customXml/item1.xml><?xml version="1.0" encoding="utf-8"?>
+<p:properties xmlns:p="http://schemas.microsoft.com/office/2006/metadata/properties" xmlns:xsi="http://www.w3.org/2001/XMLSchema-instance" xmlns:pc="http://schemas.microsoft.com/office/infopath/2007/PartnerControls">
+  <documentManagement>
+    <BfhIntranetDepartmentText xmlns="63c724b1-652e-424f-8d99-4ee509067280">
+      <Terms xmlns="http://schemas.microsoft.com/office/infopath/2007/PartnerControls">
+        <TermInfo xmlns="http://schemas.microsoft.com/office/infopath/2007/PartnerControls">
+          <TermName xmlns="http://schemas.microsoft.com/office/infopath/2007/PartnerControls">Vorlage</TermName>
+          <TermId xmlns="http://schemas.microsoft.com/office/infopath/2007/PartnerControls">de1a6d3c-ac6a-4b34-8edd-308eb81066db</TermId>
+        </TermInfo>
+      </Terms>
+    </BfhIntranetDepartmentText>
+    <TaxCatchAll xmlns="2551ef7e-3b29-44d1-a8ad-ef34c26bfc60">
+      <Value>241</Value>
+    </TaxCatchAll>
+  </documentManagement>
+</p:properties>
+</file>
+
+<file path=customXml/item2.xml><?xml version="1.0" encoding="utf-8"?>
+<LongProperties xmlns="http://schemas.microsoft.com/office/2006/metadata/longProperties"/>
+</file>
+
+<file path=customXml/item3.xml><?xml version="1.0" encoding="utf-8"?>
 <ct:contentTypeSchema xmlns:ct="http://schemas.microsoft.com/office/2006/metadata/contentType" xmlns:ma="http://schemas.microsoft.com/office/2006/metadata/properties/metaAttributes" ct:_="" ma:_="" ma:contentTypeName="BFH Document" ma:contentTypeID="0x0101009127C3B567804923A8661E062BBD8EF500562C9D82744B284A86093F1D9B579BDC" ma:contentTypeVersion="2" ma:contentTypeDescription="Ein neues Dokument erstellen." ma:contentTypeScope="" ma:versionID="9c45b5bf27c78835ceac1d8ed0ad849b">
   <xsd:schema xmlns:xsd="http://www.w3.org/2001/XMLSchema" xmlns:xs="http://www.w3.org/2001/XMLSchema" xmlns:p="http://schemas.microsoft.com/office/2006/metadata/properties" xmlns:ns2="63c724b1-652e-424f-8d99-4ee509067280" xmlns:ns3="2551ef7e-3b29-44d1-a8ad-ef34c26bfc60" targetNamespace="http://schemas.microsoft.com/office/2006/metadata/properties" ma:root="true" ma:fieldsID="77ddedd9f4909d73cfb737d3d691d0f9" ns2:_="" ns3:_="">
     <xsd:import namespace="63c724b1-652e-424f-8d99-4ee509067280"/>
@@ -2326,28 +2565,6 @@
 </ct:contentTypeSchema>
 </file>
 
-<file path=customXml/item2.xml><?xml version="1.0" encoding="utf-8"?>
-<LongProperties xmlns="http://schemas.microsoft.com/office/2006/metadata/longProperties"/>
-</file>
-
-<file path=customXml/item3.xml><?xml version="1.0" encoding="utf-8"?>
-<p:properties xmlns:p="http://schemas.microsoft.com/office/2006/metadata/properties" xmlns:xsi="http://www.w3.org/2001/XMLSchema-instance" xmlns:pc="http://schemas.microsoft.com/office/infopath/2007/PartnerControls">
-  <documentManagement>
-    <BfhIntranetDepartmentText xmlns="63c724b1-652e-424f-8d99-4ee509067280">
-      <Terms xmlns="http://schemas.microsoft.com/office/infopath/2007/PartnerControls">
-        <TermInfo xmlns="http://schemas.microsoft.com/office/infopath/2007/PartnerControls">
-          <TermName xmlns="http://schemas.microsoft.com/office/infopath/2007/PartnerControls">Vorlage</TermName>
-          <TermId xmlns="http://schemas.microsoft.com/office/infopath/2007/PartnerControls">de1a6d3c-ac6a-4b34-8edd-308eb81066db</TermId>
-        </TermInfo>
-      </Terms>
-    </BfhIntranetDepartmentText>
-    <TaxCatchAll xmlns="2551ef7e-3b29-44d1-a8ad-ef34c26bfc60">
-      <Value>241</Value>
-    </TaxCatchAll>
-  </documentManagement>
-</p:properties>
-</file>
-
 <file path=customXml/item4.xml><?xml version="1.0" encoding="utf-8"?>
 <?mso-contentType ?>
 <FormTemplates xmlns="http://schemas.microsoft.com/sharepoint/v3/contenttype/forms">
@@ -2358,6 +2575,31 @@
 </file>
 
 <file path=customXml/itemProps1.xml><?xml version="1.0" encoding="utf-8"?>
+<ds:datastoreItem xmlns:ds="http://schemas.openxmlformats.org/officeDocument/2006/customXml" ds:itemID="{12310AE4-98C2-4A3E-BE75-5A8AB8823A32}">
+  <ds:schemaRefs>
+    <ds:schemaRef ds:uri="http://www.w3.org/XML/1998/namespace"/>
+    <ds:schemaRef ds:uri="http://purl.org/dc/terms/"/>
+    <ds:schemaRef ds:uri="http://schemas.microsoft.com/office/infopath/2007/PartnerControls"/>
+    <ds:schemaRef ds:uri="http://schemas.microsoft.com/office/2006/metadata/properties"/>
+    <ds:schemaRef ds:uri="http://purl.org/dc/elements/1.1/"/>
+    <ds:schemaRef ds:uri="http://schemas.openxmlformats.org/package/2006/metadata/core-properties"/>
+    <ds:schemaRef ds:uri="http://schemas.microsoft.com/office/2006/documentManagement/types"/>
+    <ds:schemaRef ds:uri="2551ef7e-3b29-44d1-a8ad-ef34c26bfc60"/>
+    <ds:schemaRef ds:uri="63c724b1-652e-424f-8d99-4ee509067280"/>
+    <ds:schemaRef ds:uri="http://purl.org/dc/dcmitype/"/>
+  </ds:schemaRefs>
+</ds:datastoreItem>
+</file>
+
+<file path=customXml/itemProps2.xml><?xml version="1.0" encoding="utf-8"?>
+<ds:datastoreItem xmlns:ds="http://schemas.openxmlformats.org/officeDocument/2006/customXml" ds:itemID="{34ACECAE-8DDC-4218-ADDE-80828E100BF5}">
+  <ds:schemaRefs>
+    <ds:schemaRef ds:uri="http://schemas.microsoft.com/office/2006/metadata/longProperties"/>
+  </ds:schemaRefs>
+</ds:datastoreItem>
+</file>
+
+<file path=customXml/itemProps3.xml><?xml version="1.0" encoding="utf-8"?>
 <ds:datastoreItem xmlns:ds="http://schemas.openxmlformats.org/officeDocument/2006/customXml" ds:itemID="{064F56C1-3E03-4158-81FF-45AFD11405FB}">
   <ds:schemaRefs>
     <ds:schemaRef ds:uri="http://schemas.microsoft.com/office/2006/metadata/contentType"/>
@@ -2376,31 +2618,6 @@
 </ds:datastoreItem>
 </file>
 
-<file path=customXml/itemProps2.xml><?xml version="1.0" encoding="utf-8"?>
-<ds:datastoreItem xmlns:ds="http://schemas.openxmlformats.org/officeDocument/2006/customXml" ds:itemID="{34ACECAE-8DDC-4218-ADDE-80828E100BF5}">
-  <ds:schemaRefs>
-    <ds:schemaRef ds:uri="http://schemas.microsoft.com/office/2006/metadata/longProperties"/>
-  </ds:schemaRefs>
-</ds:datastoreItem>
-</file>
-
-<file path=customXml/itemProps3.xml><?xml version="1.0" encoding="utf-8"?>
-<ds:datastoreItem xmlns:ds="http://schemas.openxmlformats.org/officeDocument/2006/customXml" ds:itemID="{12310AE4-98C2-4A3E-BE75-5A8AB8823A32}">
-  <ds:schemaRefs>
-    <ds:schemaRef ds:uri="http://www.w3.org/XML/1998/namespace"/>
-    <ds:schemaRef ds:uri="http://purl.org/dc/terms/"/>
-    <ds:schemaRef ds:uri="http://schemas.microsoft.com/office/infopath/2007/PartnerControls"/>
-    <ds:schemaRef ds:uri="http://schemas.microsoft.com/office/2006/metadata/properties"/>
-    <ds:schemaRef ds:uri="http://purl.org/dc/elements/1.1/"/>
-    <ds:schemaRef ds:uri="http://schemas.openxmlformats.org/package/2006/metadata/core-properties"/>
-    <ds:schemaRef ds:uri="http://schemas.microsoft.com/office/2006/documentManagement/types"/>
-    <ds:schemaRef ds:uri="2551ef7e-3b29-44d1-a8ad-ef34c26bfc60"/>
-    <ds:schemaRef ds:uri="63c724b1-652e-424f-8d99-4ee509067280"/>
-    <ds:schemaRef ds:uri="http://purl.org/dc/dcmitype/"/>
-  </ds:schemaRefs>
-</ds:datastoreItem>
-</file>
-
 <file path=customXml/itemProps4.xml><?xml version="1.0" encoding="utf-8"?>
 <ds:datastoreItem xmlns:ds="http://schemas.openxmlformats.org/officeDocument/2006/customXml" ds:itemID="{47870AFC-B140-4E73-B0E2-054A74E7EB25}">
   <ds:schemaRefs>
